--- a/Figures and Paper/Sim Flow Chart.pptx
+++ b/Figures and Paper/Sim Flow Chart.pptx
@@ -104,6 +104,11 @@
       </a:defRPr>
     </a:lvl9pPr>
   </p:defaultTextStyle>
+  <p:extLst>
+    <p:ext uri="{EFAFB233-063F-42B5-8137-9DF3F51BA10A}">
+      <p15:sldGuideLst xmlns:p15="http://schemas.microsoft.com/office/powerpoint/2012/main"/>
+    </p:ext>
+  </p:extLst>
 </p:presentation>
 </file>
 
@@ -238,7 +243,7 @@
           <a:p>
             <a:fld id="{E840E531-7FB3-40DC-B177-60199B2C652A}" type="datetimeFigureOut">
               <a:rPr lang="en-US" smtClean="0"/>
-              <a:t>7/23/2022</a:t>
+              <a:t>8/3/2022</a:t>
             </a:fld>
             <a:endParaRPr lang="en-US"/>
           </a:p>
@@ -408,7 +413,7 @@
           <a:p>
             <a:fld id="{E840E531-7FB3-40DC-B177-60199B2C652A}" type="datetimeFigureOut">
               <a:rPr lang="en-US" smtClean="0"/>
-              <a:t>7/23/2022</a:t>
+              <a:t>8/3/2022</a:t>
             </a:fld>
             <a:endParaRPr lang="en-US"/>
           </a:p>
@@ -588,7 +593,7 @@
           <a:p>
             <a:fld id="{E840E531-7FB3-40DC-B177-60199B2C652A}" type="datetimeFigureOut">
               <a:rPr lang="en-US" smtClean="0"/>
-              <a:t>7/23/2022</a:t>
+              <a:t>8/3/2022</a:t>
             </a:fld>
             <a:endParaRPr lang="en-US"/>
           </a:p>
@@ -758,7 +763,7 @@
           <a:p>
             <a:fld id="{E840E531-7FB3-40DC-B177-60199B2C652A}" type="datetimeFigureOut">
               <a:rPr lang="en-US" smtClean="0"/>
-              <a:t>7/23/2022</a:t>
+              <a:t>8/3/2022</a:t>
             </a:fld>
             <a:endParaRPr lang="en-US"/>
           </a:p>
@@ -1002,7 +1007,7 @@
           <a:p>
             <a:fld id="{E840E531-7FB3-40DC-B177-60199B2C652A}" type="datetimeFigureOut">
               <a:rPr lang="en-US" smtClean="0"/>
-              <a:t>7/23/2022</a:t>
+              <a:t>8/3/2022</a:t>
             </a:fld>
             <a:endParaRPr lang="en-US"/>
           </a:p>
@@ -1234,7 +1239,7 @@
           <a:p>
             <a:fld id="{E840E531-7FB3-40DC-B177-60199B2C652A}" type="datetimeFigureOut">
               <a:rPr lang="en-US" smtClean="0"/>
-              <a:t>7/23/2022</a:t>
+              <a:t>8/3/2022</a:t>
             </a:fld>
             <a:endParaRPr lang="en-US"/>
           </a:p>
@@ -1601,7 +1606,7 @@
           <a:p>
             <a:fld id="{E840E531-7FB3-40DC-B177-60199B2C652A}" type="datetimeFigureOut">
               <a:rPr lang="en-US" smtClean="0"/>
-              <a:t>7/23/2022</a:t>
+              <a:t>8/3/2022</a:t>
             </a:fld>
             <a:endParaRPr lang="en-US"/>
           </a:p>
@@ -1719,7 +1724,7 @@
           <a:p>
             <a:fld id="{E840E531-7FB3-40DC-B177-60199B2C652A}" type="datetimeFigureOut">
               <a:rPr lang="en-US" smtClean="0"/>
-              <a:t>7/23/2022</a:t>
+              <a:t>8/3/2022</a:t>
             </a:fld>
             <a:endParaRPr lang="en-US"/>
           </a:p>
@@ -1814,7 +1819,7 @@
           <a:p>
             <a:fld id="{E840E531-7FB3-40DC-B177-60199B2C652A}" type="datetimeFigureOut">
               <a:rPr lang="en-US" smtClean="0"/>
-              <a:t>7/23/2022</a:t>
+              <a:t>8/3/2022</a:t>
             </a:fld>
             <a:endParaRPr lang="en-US"/>
           </a:p>
@@ -2091,7 +2096,7 @@
           <a:p>
             <a:fld id="{E840E531-7FB3-40DC-B177-60199B2C652A}" type="datetimeFigureOut">
               <a:rPr lang="en-US" smtClean="0"/>
-              <a:t>7/23/2022</a:t>
+              <a:t>8/3/2022</a:t>
             </a:fld>
             <a:endParaRPr lang="en-US"/>
           </a:p>
@@ -2348,7 +2353,7 @@
           <a:p>
             <a:fld id="{E840E531-7FB3-40DC-B177-60199B2C652A}" type="datetimeFigureOut">
               <a:rPr lang="en-US" smtClean="0"/>
-              <a:t>7/23/2022</a:t>
+              <a:t>8/3/2022</a:t>
             </a:fld>
             <a:endParaRPr lang="en-US"/>
           </a:p>
@@ -2561,7 +2566,7 @@
           <a:p>
             <a:fld id="{E840E531-7FB3-40DC-B177-60199B2C652A}" type="datetimeFigureOut">
               <a:rPr lang="en-US" smtClean="0"/>
-              <a:t>7/23/2022</a:t>
+              <a:t>8/3/2022</a:t>
             </a:fld>
             <a:endParaRPr lang="en-US"/>
           </a:p>
@@ -2968,10 +2973,10 @@
       </p:grpSpPr>
       <p:grpSp>
         <p:nvGrpSpPr>
-          <p:cNvPr id="78" name="Group 77">
+          <p:cNvPr id="18" name="Group 17">
             <a:extLst>
               <a:ext uri="{FF2B5EF4-FFF2-40B4-BE49-F238E27FC236}">
-                <a16:creationId xmlns:a16="http://schemas.microsoft.com/office/drawing/2014/main" id="{BA3FEB91-ACB3-4502-BAF0-3A4DD24CEECE}"/>
+                <a16:creationId xmlns:a16="http://schemas.microsoft.com/office/drawing/2014/main" id="{B340EF30-D474-4C41-AC3F-7D54CBE8EE1D}"/>
               </a:ext>
             </a:extLst>
           </p:cNvPr>
@@ -2981,9 +2986,9 @@
         <p:grpSpPr>
           <a:xfrm>
             <a:off x="1810839" y="2815299"/>
-            <a:ext cx="7567760" cy="9115054"/>
+            <a:ext cx="7567760" cy="9270071"/>
             <a:chOff x="1810839" y="2815299"/>
-            <a:chExt cx="7567760" cy="9115054"/>
+            <a:chExt cx="7567760" cy="9270071"/>
           </a:xfrm>
         </p:grpSpPr>
         <p:sp>
@@ -3436,7 +3441,7 @@
           </p:nvSpPr>
           <p:spPr>
             <a:xfrm>
-              <a:off x="1810839" y="9614594"/>
+              <a:off x="1810839" y="9769611"/>
               <a:ext cx="4689683" cy="1320198"/>
             </a:xfrm>
             <a:prstGeom prst="flowChartDecision">
@@ -3501,7 +3506,7 @@
           </p:nvSpPr>
           <p:spPr>
             <a:xfrm>
-              <a:off x="3484761" y="11486679"/>
+              <a:off x="3484761" y="11641696"/>
               <a:ext cx="1341841" cy="443674"/>
             </a:xfrm>
             <a:prstGeom prst="flowChartTerminator">
@@ -3796,7 +3801,7 @@
           </p:nvCxnSpPr>
           <p:spPr>
             <a:xfrm>
-              <a:off x="4155681" y="10934792"/>
+              <a:off x="4155681" y="11089809"/>
               <a:ext cx="1" cy="551887"/>
             </a:xfrm>
             <a:prstGeom prst="straightConnector1">
@@ -3905,7 +3910,7 @@
               </p:nvSpPr>
               <p:spPr>
                 <a:xfrm>
-                  <a:off x="7671620" y="10006053"/>
+                  <a:off x="7671620" y="10161070"/>
                   <a:ext cx="1379552" cy="546476"/>
                 </a:xfrm>
                 <a:prstGeom prst="flowChartProcess">
@@ -4020,7 +4025,7 @@
               </p:nvSpPr>
               <p:spPr>
                 <a:xfrm>
-                  <a:off x="7671620" y="10006053"/>
+                  <a:off x="7671620" y="10161070"/>
                   <a:ext cx="1379552" cy="546476"/>
                 </a:xfrm>
                 <a:prstGeom prst="flowChartProcess">
@@ -4071,7 +4076,7 @@
           <p:spPr>
             <a:xfrm>
               <a:off x="8361396" y="7895900"/>
-              <a:ext cx="0" cy="2110153"/>
+              <a:ext cx="0" cy="2265170"/>
             </a:xfrm>
             <a:prstGeom prst="straightConnector1">
               <a:avLst/>
@@ -4115,7 +4120,7 @@
           </p:nvCxnSpPr>
           <p:spPr>
             <a:xfrm>
-              <a:off x="6500522" y="10274693"/>
+              <a:off x="6500522" y="10429710"/>
               <a:ext cx="1171098" cy="4598"/>
             </a:xfrm>
             <a:prstGeom prst="straightConnector1">
@@ -4251,11 +4256,11 @@
           <p:spPr>
             <a:xfrm flipH="1" flipV="1">
               <a:off x="5176054" y="4787481"/>
-              <a:ext cx="3875118" cy="5491810"/>
+              <a:ext cx="3875118" cy="5646827"/>
             </a:xfrm>
             <a:prstGeom prst="bentConnector3">
               <a:avLst>
-                <a:gd name="adj1" fmla="val -29496"/>
+                <a:gd name="adj1" fmla="val -13568"/>
               </a:avLst>
             </a:prstGeom>
             <a:ln w="57150">
@@ -4409,7 +4414,7 @@
           <p:spPr>
             <a:xfrm>
               <a:off x="3009140" y="8675034"/>
-              <a:ext cx="2294008" cy="546476"/>
+              <a:ext cx="2294008" cy="666322"/>
             </a:xfrm>
             <a:prstGeom prst="flowChartInputOutput">
               <a:avLst/>
@@ -4469,6 +4474,7 @@
               </a:extLst>
             </p:cNvPr>
             <p:cNvCxnSpPr>
+              <a:cxnSpLocks/>
               <a:stCxn id="62" idx="4"/>
               <a:endCxn id="9" idx="0"/>
             </p:cNvCxnSpPr>
@@ -4476,8 +4482,8 @@
           </p:nvCxnSpPr>
           <p:spPr>
             <a:xfrm flipH="1">
-              <a:off x="4155681" y="9221510"/>
-              <a:ext cx="463" cy="393084"/>
+              <a:off x="4155681" y="9341356"/>
+              <a:ext cx="463" cy="428255"/>
             </a:xfrm>
             <a:prstGeom prst="straightConnector1">
               <a:avLst/>
@@ -4518,7 +4524,7 @@
           </p:nvSpPr>
           <p:spPr>
             <a:xfrm>
-              <a:off x="4181394" y="10925281"/>
+              <a:off x="4181394" y="11080298"/>
               <a:ext cx="619495" cy="400110"/>
             </a:xfrm>
             <a:prstGeom prst="rect">
@@ -4594,7 +4600,7 @@
           </p:nvSpPr>
           <p:spPr>
             <a:xfrm>
-              <a:off x="6466575" y="10274536"/>
+              <a:off x="6466575" y="10429553"/>
               <a:ext cx="619495" cy="400110"/>
             </a:xfrm>
             <a:prstGeom prst="rect">
